--- a/Programacion web extendido/Ejecutivo/PW_EJ_Sesión14.pptx
+++ b/Programacion web extendido/Ejecutivo/PW_EJ_Sesión14.pptx
@@ -224,7 +224,7 @@
           <a:p>
             <a:fld id="{7FF7D7FF-DDC7-474C-8526-899954A31AD1}" type="datetimeFigureOut">
               <a:rPr lang="es-EC" smtClean="0"/>
-              <a:t>2/10/2024</a:t>
+              <a:t>10/12/2024</a:t>
             </a:fld>
             <a:endParaRPr lang="es-EC"/>
           </a:p>
@@ -401,7 +401,7 @@
           <a:p>
             <a:fld id="{CB87A616-F78C-4B53-AB0D-0A8B015120C4}" type="datetimeFigureOut">
               <a:rPr lang="es-419" smtClean="0"/>
-              <a:t>2/10/2024</a:t>
+              <a:t>10/12/2024</a:t>
             </a:fld>
             <a:endParaRPr lang="es-419"/>
           </a:p>
@@ -2116,7 +2116,7 @@
           <a:p>
             <a:fld id="{8FEB83C7-CE7D-EE43-931B-A983B2AE7CF3}" type="datetimeFigureOut">
               <a:rPr lang="es-EC" smtClean="0"/>
-              <a:t>2/10/2024</a:t>
+              <a:t>10/12/2024</a:t>
             </a:fld>
             <a:endParaRPr lang="es-EC"/>
           </a:p>
@@ -2737,15 +2737,15 @@
             </a:pPr>
             <a:r>
               <a:rPr lang="es-EC" sz="2000" dirty="0"/>
-              <a:t>Conocer la principal estructura </a:t>
-            </a:r>
-            <a:r>
-              <a:rPr lang="es-EC" sz="2000" dirty="0" err="1"/>
-              <a:t>condiconal</a:t>
+              <a:t>Conocer la principal </a:t>
+            </a:r>
+            <a:r>
+              <a:rPr lang="es-EC" sz="2000"/>
+              <a:t>estructura condicional </a:t>
             </a:r>
             <a:r>
               <a:rPr lang="es-EC" sz="2000" dirty="0"/>
-              <a:t> compleja empleada en ambientes web.</a:t>
+              <a:t>compleja empleada en ambientes web.</a:t>
             </a:r>
           </a:p>
         </p:txBody>
